--- a/Final_Project_Py/5-min Slides.pptx
+++ b/Final_Project_Py/5-min Slides.pptx
@@ -205,7 +205,7 @@
           <a:p>
             <a:fld id="{D734E050-08D4-4AF2-BD09-C5CA11F2AD65}" type="datetimeFigureOut">
               <a:rPr lang="en-US" smtClean="0"/>
-              <a:t>5/3/2018</a:t>
+              <a:t>5/17/2018</a:t>
             </a:fld>
             <a:endParaRPr lang="en-US"/>
           </a:p>
@@ -619,7 +619,7 @@
           <a:p>
             <a:fld id="{1EFAE40D-CC16-45DE-8F17-730BA2C5B91F}" type="datetime1">
               <a:rPr lang="en-US" smtClean="0"/>
-              <a:t>5/3/2018</a:t>
+              <a:t>5/17/2018</a:t>
             </a:fld>
             <a:endParaRPr lang="en-US"/>
           </a:p>
@@ -817,7 +817,7 @@
           <a:p>
             <a:fld id="{80373006-19C0-40AB-A8F6-49F18451B5AC}" type="datetime1">
               <a:rPr lang="en-US" smtClean="0"/>
-              <a:t>5/3/2018</a:t>
+              <a:t>5/17/2018</a:t>
             </a:fld>
             <a:endParaRPr lang="en-US"/>
           </a:p>
@@ -1025,7 +1025,7 @@
           <a:p>
             <a:fld id="{52266C67-5662-4E02-AE41-24D8FAFA458E}" type="datetime1">
               <a:rPr lang="en-US" smtClean="0"/>
-              <a:t>5/3/2018</a:t>
+              <a:t>5/17/2018</a:t>
             </a:fld>
             <a:endParaRPr lang="en-US"/>
           </a:p>
@@ -1223,7 +1223,7 @@
           <a:p>
             <a:fld id="{1C614BFF-D751-4D23-96B9-CACB83461C52}" type="datetime1">
               <a:rPr lang="en-US" smtClean="0"/>
-              <a:t>5/3/2018</a:t>
+              <a:t>5/17/2018</a:t>
             </a:fld>
             <a:endParaRPr lang="en-US"/>
           </a:p>
@@ -1498,7 +1498,7 @@
           <a:p>
             <a:fld id="{B60E25A5-F3A3-4F1F-B27F-92A1470B3A44}" type="datetime1">
               <a:rPr lang="en-US" smtClean="0"/>
-              <a:t>5/3/2018</a:t>
+              <a:t>5/17/2018</a:t>
             </a:fld>
             <a:endParaRPr lang="en-US"/>
           </a:p>
@@ -1763,7 +1763,7 @@
           <a:p>
             <a:fld id="{E3FFADCD-7120-4F7E-AEA8-4959CD8F1BF0}" type="datetime1">
               <a:rPr lang="en-US" smtClean="0"/>
-              <a:t>5/3/2018</a:t>
+              <a:t>5/17/2018</a:t>
             </a:fld>
             <a:endParaRPr lang="en-US"/>
           </a:p>
@@ -2175,7 +2175,7 @@
           <a:p>
             <a:fld id="{BE9B63F9-4F30-44D0-AF3C-51EA07B8C093}" type="datetime1">
               <a:rPr lang="en-US" smtClean="0"/>
-              <a:t>5/3/2018</a:t>
+              <a:t>5/17/2018</a:t>
             </a:fld>
             <a:endParaRPr lang="en-US"/>
           </a:p>
@@ -2316,7 +2316,7 @@
           <a:p>
             <a:fld id="{DA0D2D25-3726-495A-8A88-4C3622F5F750}" type="datetime1">
               <a:rPr lang="en-US" smtClean="0"/>
-              <a:t>5/3/2018</a:t>
+              <a:t>5/17/2018</a:t>
             </a:fld>
             <a:endParaRPr lang="en-US"/>
           </a:p>
@@ -2429,7 +2429,7 @@
           <a:p>
             <a:fld id="{395DFD89-45FA-4A60-A65C-D60266A5F1BE}" type="datetime1">
               <a:rPr lang="en-US" smtClean="0"/>
-              <a:t>5/3/2018</a:t>
+              <a:t>5/17/2018</a:t>
             </a:fld>
             <a:endParaRPr lang="en-US"/>
           </a:p>
@@ -2740,7 +2740,7 @@
           <a:p>
             <a:fld id="{E027E96B-94D8-4866-B0AD-6D9E2D6DC27F}" type="datetime1">
               <a:rPr lang="en-US" smtClean="0"/>
-              <a:t>5/3/2018</a:t>
+              <a:t>5/17/2018</a:t>
             </a:fld>
             <a:endParaRPr lang="en-US"/>
           </a:p>
@@ -3028,7 +3028,7 @@
           <a:p>
             <a:fld id="{CAEEC95D-0794-4682-A422-BA5589FBF5F9}" type="datetime1">
               <a:rPr lang="en-US" smtClean="0"/>
-              <a:t>5/3/2018</a:t>
+              <a:t>5/17/2018</a:t>
             </a:fld>
             <a:endParaRPr lang="en-US"/>
           </a:p>
@@ -3269,7 +3269,7 @@
           <a:p>
             <a:fld id="{5CA1761F-E11B-41FE-807E-C555EC0FF5B4}" type="datetime1">
               <a:rPr lang="en-US" smtClean="0"/>
-              <a:t>5/3/2018</a:t>
+              <a:t>5/17/2018</a:t>
             </a:fld>
             <a:endParaRPr lang="en-US"/>
           </a:p>
@@ -4818,7 +4818,7 @@
           <p:nvPr>
             <p:extLst>
               <p:ext uri="{D42A27DB-BD31-4B8C-83A1-F6EECF244321}">
-                <p14:modId xmlns:p14="http://schemas.microsoft.com/office/powerpoint/2010/main" val="3259541560"/>
+                <p14:modId xmlns:p14="http://schemas.microsoft.com/office/powerpoint/2010/main" val="4103320030"/>
               </p:ext>
             </p:extLst>
           </p:nvPr>
@@ -5003,16 +5003,6 @@
                       </a:pPr>
                       <a:r>
                         <a:rPr lang="en-US" sz="2000" dirty="0"/>
-                        <a:t>Additive Model (AM)</a:t>
-                      </a:r>
-                    </a:p>
-                    <a:p>
-                      <a:pPr marL="285750" indent="-285750">
-                        <a:buFont typeface="Arial" panose="020B0604020202020204" pitchFamily="34" charset="0"/>
-                        <a:buChar char="•"/>
-                      </a:pPr>
-                      <a:r>
-                        <a:rPr lang="en-US" sz="2000" dirty="0"/>
                         <a:t>Prophet </a:t>
                       </a:r>
                       <a:r>
@@ -5088,6 +5078,16 @@
                         <a:t>My Own Modules </a:t>
                       </a:r>
                     </a:p>
+                    <a:p>
+                      <a:pPr marL="285750" indent="-285750">
+                        <a:buFont typeface="Arial" panose="020B0604020202020204" pitchFamily="34" charset="0"/>
+                        <a:buChar char="•"/>
+                      </a:pPr>
+                      <a:r>
+                        <a:rPr lang="en-US" sz="2000" dirty="0"/>
+                        <a:t>Normalize.css</a:t>
+                      </a:r>
+                    </a:p>
                   </a:txBody>
                   <a:tcPr/>
                 </a:tc>
@@ -5204,10 +5204,10 @@
       </p:grpSpPr>
       <p:pic>
         <p:nvPicPr>
-          <p:cNvPr id="3" name="Picture 2">
-            <a:extLst>
-              <a:ext uri="{FF2B5EF4-FFF2-40B4-BE49-F238E27FC236}">
-                <a16:creationId xmlns:a16="http://schemas.microsoft.com/office/drawing/2014/main" id="{1AF00CB7-339B-47D1-9670-0FB614BDA514}"/>
+          <p:cNvPr id="5" name="Picture 4" descr="A close up of a map&#10;&#10;Description generated with high confidence">
+            <a:extLst>
+              <a:ext uri="{FF2B5EF4-FFF2-40B4-BE49-F238E27FC236}">
+                <a16:creationId xmlns:a16="http://schemas.microsoft.com/office/drawing/2014/main" id="{FFD1B211-B4ED-42D9-B718-36C7941BE4A8}"/>
               </a:ext>
             </a:extLst>
           </p:cNvPr>
@@ -5216,15 +5216,22 @@
           </p:cNvPicPr>
           <p:nvPr/>
         </p:nvPicPr>
-        <p:blipFill rotWithShape="1">
-          <a:blip r:embed="rId2"/>
-          <a:srcRect b="5849"/>
-          <a:stretch/>
+        <p:blipFill>
+          <a:blip r:embed="rId2">
+            <a:extLst>
+              <a:ext uri="{28A0092B-C50C-407E-A947-70E740481C1C}">
+                <a14:useLocalDpi xmlns:a14="http://schemas.microsoft.com/office/drawing/2010/main" val="0"/>
+              </a:ext>
+            </a:extLst>
+          </a:blip>
+          <a:stretch>
+            <a:fillRect/>
+          </a:stretch>
         </p:blipFill>
         <p:spPr>
           <a:xfrm>
-            <a:off x="1815872" y="1496966"/>
-            <a:ext cx="8862498" cy="4693557"/>
+            <a:off x="1806149" y="1453578"/>
+            <a:ext cx="8848451" cy="4693827"/>
           </a:xfrm>
           <a:prstGeom prst="rect">
             <a:avLst/>
@@ -5325,62 +5332,6 @@
               </a:rPr>
               <a:t>Tool Bar</a:t>
             </a:r>
-          </a:p>
-        </p:txBody>
-      </p:sp>
-      <p:sp>
-        <p:nvSpPr>
-          <p:cNvPr id="10" name="Rectangle 9">
-            <a:extLst>
-              <a:ext uri="{FF2B5EF4-FFF2-40B4-BE49-F238E27FC236}">
-                <a16:creationId xmlns:a16="http://schemas.microsoft.com/office/drawing/2014/main" id="{E0214BCA-C5C6-440A-8E48-BE06D2947B98}"/>
-              </a:ext>
-            </a:extLst>
-          </p:cNvPr>
-          <p:cNvSpPr/>
-          <p:nvPr/>
-        </p:nvSpPr>
-        <p:spPr>
-          <a:xfrm>
-            <a:off x="8149022" y="2595715"/>
-            <a:ext cx="2529347" cy="221227"/>
-          </a:xfrm>
-          <a:prstGeom prst="rect">
-            <a:avLst/>
-          </a:prstGeom>
-          <a:noFill/>
-          <a:ln w="28575">
-            <a:solidFill>
-              <a:srgbClr val="CC0066"/>
-            </a:solidFill>
-          </a:ln>
-        </p:spPr>
-        <p:style>
-          <a:lnRef idx="2">
-            <a:schemeClr val="accent1">
-              <a:shade val="50000"/>
-            </a:schemeClr>
-          </a:lnRef>
-          <a:fillRef idx="1">
-            <a:schemeClr val="accent1"/>
-          </a:fillRef>
-          <a:effectRef idx="0">
-            <a:schemeClr val="accent1"/>
-          </a:effectRef>
-          <a:fontRef idx="minor">
-            <a:schemeClr val="lt1"/>
-          </a:fontRef>
-        </p:style>
-        <p:txBody>
-          <a:bodyPr rtlCol="0" anchor="ctr"/>
-          <a:lstStyle/>
-          <a:p>
-            <a:pPr algn="ctr"/>
-            <a:endParaRPr lang="en-US">
-              <a:solidFill>
-                <a:srgbClr val="CC66FF"/>
-              </a:solidFill>
-            </a:endParaRPr>
           </a:p>
         </p:txBody>
       </p:sp>
@@ -5494,8 +5445,8 @@
         </p:nvSpPr>
         <p:spPr>
           <a:xfrm>
-            <a:off x="5294671" y="5719916"/>
-            <a:ext cx="5302044" cy="368710"/>
+            <a:off x="5095569" y="5719916"/>
+            <a:ext cx="5501146" cy="239069"/>
           </a:xfrm>
           <a:prstGeom prst="rect">
             <a:avLst/>
@@ -5590,8 +5541,8 @@
         </p:nvSpPr>
         <p:spPr>
           <a:xfrm>
-            <a:off x="1863750" y="5720141"/>
-            <a:ext cx="3349267" cy="368710"/>
+            <a:off x="1863751" y="5720141"/>
+            <a:ext cx="3231818" cy="239069"/>
           </a:xfrm>
           <a:prstGeom prst="rect">
             <a:avLst/>
@@ -5686,8 +5637,8 @@
         </p:nvSpPr>
         <p:spPr>
           <a:xfrm>
-            <a:off x="1782096" y="1456012"/>
-            <a:ext cx="8896273" cy="4751171"/>
+            <a:off x="1782096" y="1456013"/>
+            <a:ext cx="8896273" cy="4720748"/>
           </a:xfrm>
           <a:prstGeom prst="rect">
             <a:avLst/>
@@ -5732,61 +5683,20 @@
       </p:sp>
       <p:sp>
         <p:nvSpPr>
-          <p:cNvPr id="18" name="TextBox 17">
-            <a:extLst>
-              <a:ext uri="{FF2B5EF4-FFF2-40B4-BE49-F238E27FC236}">
-                <a16:creationId xmlns:a16="http://schemas.microsoft.com/office/drawing/2014/main" id="{F912531A-380A-475F-93FE-373BBD2E904D}"/>
-              </a:ext>
-            </a:extLst>
-          </p:cNvPr>
-          <p:cNvSpPr txBox="1"/>
+          <p:cNvPr id="19" name="Rectangle 18">
+            <a:extLst>
+              <a:ext uri="{FF2B5EF4-FFF2-40B4-BE49-F238E27FC236}">
+                <a16:creationId xmlns:a16="http://schemas.microsoft.com/office/drawing/2014/main" id="{7547C5AE-8825-4C70-B921-EB6F1E7CFF3B}"/>
+              </a:ext>
+            </a:extLst>
+          </p:cNvPr>
+          <p:cNvSpPr/>
           <p:nvPr/>
         </p:nvSpPr>
         <p:spPr>
           <a:xfrm>
-            <a:off x="5514936" y="962558"/>
-            <a:ext cx="1430591" cy="461665"/>
-          </a:xfrm>
-          <a:prstGeom prst="rect">
-            <a:avLst/>
-          </a:prstGeom>
-          <a:noFill/>
-        </p:spPr>
-        <p:txBody>
-          <a:bodyPr wrap="square" rtlCol="0">
-            <a:spAutoFit/>
-          </a:bodyPr>
-          <a:lstStyle/>
-          <a:p>
-            <a:r>
-              <a:rPr lang="en-US" sz="2400" dirty="0">
-                <a:solidFill>
-                  <a:schemeClr val="tx1">
-                    <a:lumMod val="75000"/>
-                  </a:schemeClr>
-                </a:solidFill>
-              </a:rPr>
-              <a:t>Webpage</a:t>
-            </a:r>
-          </a:p>
-        </p:txBody>
-      </p:sp>
-      <p:sp>
-        <p:nvSpPr>
-          <p:cNvPr id="19" name="Rectangle 18">
-            <a:extLst>
-              <a:ext uri="{FF2B5EF4-FFF2-40B4-BE49-F238E27FC236}">
-                <a16:creationId xmlns:a16="http://schemas.microsoft.com/office/drawing/2014/main" id="{7547C5AE-8825-4C70-B921-EB6F1E7CFF3B}"/>
-              </a:ext>
-            </a:extLst>
-          </p:cNvPr>
-          <p:cNvSpPr/>
-          <p:nvPr/>
-        </p:nvSpPr>
-        <p:spPr>
-          <a:xfrm>
-            <a:off x="1863750" y="2343346"/>
-            <a:ext cx="6285272" cy="368710"/>
+            <a:off x="1863749" y="2284354"/>
+            <a:ext cx="7730077" cy="316482"/>
           </a:xfrm>
           <a:prstGeom prst="rect">
             <a:avLst/>
@@ -5819,11 +5729,52 @@
           <a:lstStyle/>
           <a:p>
             <a:pPr algn="ctr"/>
-            <a:endParaRPr lang="en-US">
+            <a:endParaRPr lang="en-US" dirty="0">
               <a:solidFill>
                 <a:srgbClr val="CC66FF"/>
               </a:solidFill>
             </a:endParaRPr>
+          </a:p>
+        </p:txBody>
+      </p:sp>
+      <p:sp>
+        <p:nvSpPr>
+          <p:cNvPr id="18" name="TextBox 17">
+            <a:extLst>
+              <a:ext uri="{FF2B5EF4-FFF2-40B4-BE49-F238E27FC236}">
+                <a16:creationId xmlns:a16="http://schemas.microsoft.com/office/drawing/2014/main" id="{F912531A-380A-475F-93FE-373BBD2E904D}"/>
+              </a:ext>
+            </a:extLst>
+          </p:cNvPr>
+          <p:cNvSpPr txBox="1"/>
+          <p:nvPr/>
+        </p:nvSpPr>
+        <p:spPr>
+          <a:xfrm>
+            <a:off x="5514936" y="962558"/>
+            <a:ext cx="1430591" cy="461665"/>
+          </a:xfrm>
+          <a:prstGeom prst="rect">
+            <a:avLst/>
+          </a:prstGeom>
+          <a:noFill/>
+        </p:spPr>
+        <p:txBody>
+          <a:bodyPr wrap="square" rtlCol="0">
+            <a:spAutoFit/>
+          </a:bodyPr>
+          <a:lstStyle/>
+          <a:p>
+            <a:r>
+              <a:rPr lang="en-US" sz="2400" dirty="0">
+                <a:solidFill>
+                  <a:schemeClr val="tx1">
+                    <a:lumMod val="75000"/>
+                  </a:schemeClr>
+                </a:solidFill>
+              </a:rPr>
+              <a:t>Webpage</a:t>
+            </a:r>
           </a:p>
         </p:txBody>
       </p:sp>
@@ -5904,6 +5855,62 @@
               <a:t>4</a:t>
             </a:fld>
             <a:endParaRPr lang="en-US"/>
+          </a:p>
+        </p:txBody>
+      </p:sp>
+      <p:sp>
+        <p:nvSpPr>
+          <p:cNvPr id="10" name="Rectangle 9">
+            <a:extLst>
+              <a:ext uri="{FF2B5EF4-FFF2-40B4-BE49-F238E27FC236}">
+                <a16:creationId xmlns:a16="http://schemas.microsoft.com/office/drawing/2014/main" id="{E0214BCA-C5C6-440A-8E48-BE06D2947B98}"/>
+              </a:ext>
+            </a:extLst>
+          </p:cNvPr>
+          <p:cNvSpPr/>
+          <p:nvPr/>
+        </p:nvSpPr>
+        <p:spPr>
+          <a:xfrm>
+            <a:off x="9593826" y="2605837"/>
+            <a:ext cx="1084543" cy="204857"/>
+          </a:xfrm>
+          <a:prstGeom prst="rect">
+            <a:avLst/>
+          </a:prstGeom>
+          <a:noFill/>
+          <a:ln w="28575">
+            <a:solidFill>
+              <a:srgbClr val="CC0066"/>
+            </a:solidFill>
+          </a:ln>
+        </p:spPr>
+        <p:style>
+          <a:lnRef idx="2">
+            <a:schemeClr val="accent1">
+              <a:shade val="50000"/>
+            </a:schemeClr>
+          </a:lnRef>
+          <a:fillRef idx="1">
+            <a:schemeClr val="accent1"/>
+          </a:fillRef>
+          <a:effectRef idx="0">
+            <a:schemeClr val="accent1"/>
+          </a:effectRef>
+          <a:fontRef idx="minor">
+            <a:schemeClr val="lt1"/>
+          </a:fontRef>
+        </p:style>
+        <p:txBody>
+          <a:bodyPr rtlCol="0" anchor="ctr"/>
+          <a:lstStyle/>
+          <a:p>
+            <a:pPr algn="ctr"/>
+            <a:endParaRPr lang="en-US">
+              <a:solidFill>
+                <a:srgbClr val="CC66FF"/>
+              </a:solidFill>
+            </a:endParaRPr>
           </a:p>
         </p:txBody>
       </p:sp>

--- a/Final_Project_Py/5-min Slides.pptx
+++ b/Final_Project_Py/5-min Slides.pptx
@@ -4074,14 +4074,22 @@
             <a:pPr algn="l"/>
             <a:r>
               <a:rPr lang="en-US" sz="2000" dirty="0"/>
-              <a:t>Student: Zih-Cin Jian (zxj161530)</a:t>
+              <a:t>Student: Zih-Cin </a:t>
+            </a:r>
+            <a:r>
+              <a:rPr lang="en-US" sz="2000"/>
+              <a:t>Jian </a:t>
             </a:r>
           </a:p>
           <a:p>
             <a:pPr algn="l"/>
             <a:r>
+              <a:rPr lang="en-US" sz="2000"/>
+              <a:t>Professor</a:t>
+            </a:r>
+            <a:r>
               <a:rPr lang="en-US" sz="2000" dirty="0"/>
-              <a:t>Professor: Jason Parker</a:t>
+              <a:t>: Jason Parker</a:t>
             </a:r>
           </a:p>
         </p:txBody>

--- a/Final_Project_Py/5-min Slides.pptx
+++ b/Final_Project_Py/5-min Slides.pptx
@@ -205,7 +205,7 @@
           <a:p>
             <a:fld id="{D734E050-08D4-4AF2-BD09-C5CA11F2AD65}" type="datetimeFigureOut">
               <a:rPr lang="en-US" smtClean="0"/>
-              <a:t>5/17/2018</a:t>
+              <a:t>6/7/2018</a:t>
             </a:fld>
             <a:endParaRPr lang="en-US"/>
           </a:p>
@@ -619,7 +619,7 @@
           <a:p>
             <a:fld id="{1EFAE40D-CC16-45DE-8F17-730BA2C5B91F}" type="datetime1">
               <a:rPr lang="en-US" smtClean="0"/>
-              <a:t>5/17/2018</a:t>
+              <a:t>6/7/2018</a:t>
             </a:fld>
             <a:endParaRPr lang="en-US"/>
           </a:p>
@@ -817,7 +817,7 @@
           <a:p>
             <a:fld id="{80373006-19C0-40AB-A8F6-49F18451B5AC}" type="datetime1">
               <a:rPr lang="en-US" smtClean="0"/>
-              <a:t>5/17/2018</a:t>
+              <a:t>6/7/2018</a:t>
             </a:fld>
             <a:endParaRPr lang="en-US"/>
           </a:p>
@@ -1025,7 +1025,7 @@
           <a:p>
             <a:fld id="{52266C67-5662-4E02-AE41-24D8FAFA458E}" type="datetime1">
               <a:rPr lang="en-US" smtClean="0"/>
-              <a:t>5/17/2018</a:t>
+              <a:t>6/7/2018</a:t>
             </a:fld>
             <a:endParaRPr lang="en-US"/>
           </a:p>
@@ -1223,7 +1223,7 @@
           <a:p>
             <a:fld id="{1C614BFF-D751-4D23-96B9-CACB83461C52}" type="datetime1">
               <a:rPr lang="en-US" smtClean="0"/>
-              <a:t>5/17/2018</a:t>
+              <a:t>6/7/2018</a:t>
             </a:fld>
             <a:endParaRPr lang="en-US"/>
           </a:p>
@@ -1498,7 +1498,7 @@
           <a:p>
             <a:fld id="{B60E25A5-F3A3-4F1F-B27F-92A1470B3A44}" type="datetime1">
               <a:rPr lang="en-US" smtClean="0"/>
-              <a:t>5/17/2018</a:t>
+              <a:t>6/7/2018</a:t>
             </a:fld>
             <a:endParaRPr lang="en-US"/>
           </a:p>
@@ -1763,7 +1763,7 @@
           <a:p>
             <a:fld id="{E3FFADCD-7120-4F7E-AEA8-4959CD8F1BF0}" type="datetime1">
               <a:rPr lang="en-US" smtClean="0"/>
-              <a:t>5/17/2018</a:t>
+              <a:t>6/7/2018</a:t>
             </a:fld>
             <a:endParaRPr lang="en-US"/>
           </a:p>
@@ -2175,7 +2175,7 @@
           <a:p>
             <a:fld id="{BE9B63F9-4F30-44D0-AF3C-51EA07B8C093}" type="datetime1">
               <a:rPr lang="en-US" smtClean="0"/>
-              <a:t>5/17/2018</a:t>
+              <a:t>6/7/2018</a:t>
             </a:fld>
             <a:endParaRPr lang="en-US"/>
           </a:p>
@@ -2316,7 +2316,7 @@
           <a:p>
             <a:fld id="{DA0D2D25-3726-495A-8A88-4C3622F5F750}" type="datetime1">
               <a:rPr lang="en-US" smtClean="0"/>
-              <a:t>5/17/2018</a:t>
+              <a:t>6/7/2018</a:t>
             </a:fld>
             <a:endParaRPr lang="en-US"/>
           </a:p>
@@ -2429,7 +2429,7 @@
           <a:p>
             <a:fld id="{395DFD89-45FA-4A60-A65C-D60266A5F1BE}" type="datetime1">
               <a:rPr lang="en-US" smtClean="0"/>
-              <a:t>5/17/2018</a:t>
+              <a:t>6/7/2018</a:t>
             </a:fld>
             <a:endParaRPr lang="en-US"/>
           </a:p>
@@ -2740,7 +2740,7 @@
           <a:p>
             <a:fld id="{E027E96B-94D8-4866-B0AD-6D9E2D6DC27F}" type="datetime1">
               <a:rPr lang="en-US" smtClean="0"/>
-              <a:t>5/17/2018</a:t>
+              <a:t>6/7/2018</a:t>
             </a:fld>
             <a:endParaRPr lang="en-US"/>
           </a:p>
@@ -3028,7 +3028,7 @@
           <a:p>
             <a:fld id="{CAEEC95D-0794-4682-A422-BA5589FBF5F9}" type="datetime1">
               <a:rPr lang="en-US" smtClean="0"/>
-              <a:t>5/17/2018</a:t>
+              <a:t>6/7/2018</a:t>
             </a:fld>
             <a:endParaRPr lang="en-US"/>
           </a:p>
@@ -3269,7 +3269,7 @@
           <a:p>
             <a:fld id="{5CA1761F-E11B-41FE-807E-C555EC0FF5B4}" type="datetime1">
               <a:rPr lang="en-US" smtClean="0"/>
-              <a:t>5/17/2018</a:t>
+              <a:t>6/7/2018</a:t>
             </a:fld>
             <a:endParaRPr lang="en-US"/>
           </a:p>
@@ -4074,226 +4074,14 @@
             <a:pPr algn="l"/>
             <a:r>
               <a:rPr lang="en-US" sz="2000" dirty="0"/>
-              <a:t>Student: Zih-Cin </a:t>
-            </a:r>
-            <a:r>
-              <a:rPr lang="en-US" sz="2000"/>
-              <a:t>Jian </a:t>
+              <a:t>Student: Zih-Cin Jian </a:t>
             </a:r>
           </a:p>
           <a:p>
             <a:pPr algn="l"/>
             <a:r>
-              <a:rPr lang="en-US" sz="2000"/>
-              <a:t>Professor</a:t>
-            </a:r>
-            <a:r>
               <a:rPr lang="en-US" sz="2000" dirty="0"/>
-              <a:t>: Jason Parker</a:t>
-            </a:r>
-          </a:p>
-        </p:txBody>
-      </p:sp>
-      <p:sp>
-        <p:nvSpPr>
-          <p:cNvPr id="16" name="Subtitle 2">
-            <a:extLst>
-              <a:ext uri="{FF2B5EF4-FFF2-40B4-BE49-F238E27FC236}">
-                <a16:creationId xmlns:a16="http://schemas.microsoft.com/office/drawing/2014/main" id="{3AD4E6FA-8B96-4635-BC38-D7ADE79891A1}"/>
-              </a:ext>
-            </a:extLst>
-          </p:cNvPr>
-          <p:cNvSpPr txBox="1">
-            <a:spLocks/>
-          </p:cNvSpPr>
-          <p:nvPr/>
-        </p:nvSpPr>
-        <p:spPr>
-          <a:xfrm>
-            <a:off x="10018166" y="6216383"/>
-            <a:ext cx="1623518" cy="467224"/>
-          </a:xfrm>
-          <a:prstGeom prst="rect">
-            <a:avLst/>
-          </a:prstGeom>
-        </p:spPr>
-        <p:txBody>
-          <a:bodyPr vert="horz" lIns="91440" tIns="45720" rIns="91440" bIns="45720" rtlCol="0" anchor="b">
-            <a:normAutofit/>
-          </a:bodyPr>
-          <a:lstStyle>
-            <a:lvl1pPr marL="0" indent="0" algn="ctr" defTabSz="914400" rtl="0" eaLnBrk="1" latinLnBrk="0" hangingPunct="1">
-              <a:lnSpc>
-                <a:spcPct val="90000"/>
-              </a:lnSpc>
-              <a:spcBef>
-                <a:spcPts val="1000"/>
-              </a:spcBef>
-              <a:buFont typeface="Arial" panose="020B0604020202020204" pitchFamily="34" charset="0"/>
-              <a:buNone/>
-              <a:defRPr sz="2400" kern="1200">
-                <a:solidFill>
-                  <a:schemeClr val="tx1"/>
-                </a:solidFill>
-                <a:latin typeface="+mn-lt"/>
-                <a:ea typeface="+mn-ea"/>
-                <a:cs typeface="+mn-cs"/>
-              </a:defRPr>
-            </a:lvl1pPr>
-            <a:lvl2pPr marL="457200" indent="0" algn="ctr" defTabSz="914400" rtl="0" eaLnBrk="1" latinLnBrk="0" hangingPunct="1">
-              <a:lnSpc>
-                <a:spcPct val="90000"/>
-              </a:lnSpc>
-              <a:spcBef>
-                <a:spcPts val="500"/>
-              </a:spcBef>
-              <a:buFont typeface="Arial" panose="020B0604020202020204" pitchFamily="34" charset="0"/>
-              <a:buNone/>
-              <a:defRPr sz="2000" kern="1200">
-                <a:solidFill>
-                  <a:schemeClr val="tx1"/>
-                </a:solidFill>
-                <a:latin typeface="+mn-lt"/>
-                <a:ea typeface="+mn-ea"/>
-                <a:cs typeface="+mn-cs"/>
-              </a:defRPr>
-            </a:lvl2pPr>
-            <a:lvl3pPr marL="914400" indent="0" algn="ctr" defTabSz="914400" rtl="0" eaLnBrk="1" latinLnBrk="0" hangingPunct="1">
-              <a:lnSpc>
-                <a:spcPct val="90000"/>
-              </a:lnSpc>
-              <a:spcBef>
-                <a:spcPts val="500"/>
-              </a:spcBef>
-              <a:buFont typeface="Arial" panose="020B0604020202020204" pitchFamily="34" charset="0"/>
-              <a:buNone/>
-              <a:defRPr sz="1800" kern="1200">
-                <a:solidFill>
-                  <a:schemeClr val="tx1"/>
-                </a:solidFill>
-                <a:latin typeface="+mn-lt"/>
-                <a:ea typeface="+mn-ea"/>
-                <a:cs typeface="+mn-cs"/>
-              </a:defRPr>
-            </a:lvl3pPr>
-            <a:lvl4pPr marL="1371600" indent="0" algn="ctr" defTabSz="914400" rtl="0" eaLnBrk="1" latinLnBrk="0" hangingPunct="1">
-              <a:lnSpc>
-                <a:spcPct val="90000"/>
-              </a:lnSpc>
-              <a:spcBef>
-                <a:spcPts val="500"/>
-              </a:spcBef>
-              <a:buFont typeface="Arial" panose="020B0604020202020204" pitchFamily="34" charset="0"/>
-              <a:buNone/>
-              <a:defRPr sz="1600" kern="1200">
-                <a:solidFill>
-                  <a:schemeClr val="tx1"/>
-                </a:solidFill>
-                <a:latin typeface="+mn-lt"/>
-                <a:ea typeface="+mn-ea"/>
-                <a:cs typeface="+mn-cs"/>
-              </a:defRPr>
-            </a:lvl4pPr>
-            <a:lvl5pPr marL="1828800" indent="0" algn="ctr" defTabSz="914400" rtl="0" eaLnBrk="1" latinLnBrk="0" hangingPunct="1">
-              <a:lnSpc>
-                <a:spcPct val="90000"/>
-              </a:lnSpc>
-              <a:spcBef>
-                <a:spcPts val="500"/>
-              </a:spcBef>
-              <a:buFont typeface="Arial" panose="020B0604020202020204" pitchFamily="34" charset="0"/>
-              <a:buNone/>
-              <a:defRPr sz="1600" kern="1200">
-                <a:solidFill>
-                  <a:schemeClr val="tx1"/>
-                </a:solidFill>
-                <a:latin typeface="+mn-lt"/>
-                <a:ea typeface="+mn-ea"/>
-                <a:cs typeface="+mn-cs"/>
-              </a:defRPr>
-            </a:lvl5pPr>
-            <a:lvl6pPr marL="2286000" indent="0" algn="ctr" defTabSz="914400" rtl="0" eaLnBrk="1" latinLnBrk="0" hangingPunct="1">
-              <a:lnSpc>
-                <a:spcPct val="90000"/>
-              </a:lnSpc>
-              <a:spcBef>
-                <a:spcPts val="500"/>
-              </a:spcBef>
-              <a:buFont typeface="Arial" panose="020B0604020202020204" pitchFamily="34" charset="0"/>
-              <a:buNone/>
-              <a:defRPr sz="1600" kern="1200">
-                <a:solidFill>
-                  <a:schemeClr val="tx1"/>
-                </a:solidFill>
-                <a:latin typeface="+mn-lt"/>
-                <a:ea typeface="+mn-ea"/>
-                <a:cs typeface="+mn-cs"/>
-              </a:defRPr>
-            </a:lvl6pPr>
-            <a:lvl7pPr marL="2743200" indent="0" algn="ctr" defTabSz="914400" rtl="0" eaLnBrk="1" latinLnBrk="0" hangingPunct="1">
-              <a:lnSpc>
-                <a:spcPct val="90000"/>
-              </a:lnSpc>
-              <a:spcBef>
-                <a:spcPts val="500"/>
-              </a:spcBef>
-              <a:buFont typeface="Arial" panose="020B0604020202020204" pitchFamily="34" charset="0"/>
-              <a:buNone/>
-              <a:defRPr sz="1600" kern="1200">
-                <a:solidFill>
-                  <a:schemeClr val="tx1"/>
-                </a:solidFill>
-                <a:latin typeface="+mn-lt"/>
-                <a:ea typeface="+mn-ea"/>
-                <a:cs typeface="+mn-cs"/>
-              </a:defRPr>
-            </a:lvl7pPr>
-            <a:lvl8pPr marL="3200400" indent="0" algn="ctr" defTabSz="914400" rtl="0" eaLnBrk="1" latinLnBrk="0" hangingPunct="1">
-              <a:lnSpc>
-                <a:spcPct val="90000"/>
-              </a:lnSpc>
-              <a:spcBef>
-                <a:spcPts val="500"/>
-              </a:spcBef>
-              <a:buFont typeface="Arial" panose="020B0604020202020204" pitchFamily="34" charset="0"/>
-              <a:buNone/>
-              <a:defRPr sz="1600" kern="1200">
-                <a:solidFill>
-                  <a:schemeClr val="tx1"/>
-                </a:solidFill>
-                <a:latin typeface="+mn-lt"/>
-                <a:ea typeface="+mn-ea"/>
-                <a:cs typeface="+mn-cs"/>
-              </a:defRPr>
-            </a:lvl8pPr>
-            <a:lvl9pPr marL="3657600" indent="0" algn="ctr" defTabSz="914400" rtl="0" eaLnBrk="1" latinLnBrk="0" hangingPunct="1">
-              <a:lnSpc>
-                <a:spcPct val="90000"/>
-              </a:lnSpc>
-              <a:spcBef>
-                <a:spcPts val="500"/>
-              </a:spcBef>
-              <a:buFont typeface="Arial" panose="020B0604020202020204" pitchFamily="34" charset="0"/>
-              <a:buNone/>
-              <a:defRPr sz="1600" kern="1200">
-                <a:solidFill>
-                  <a:schemeClr val="tx1"/>
-                </a:solidFill>
-                <a:latin typeface="+mn-lt"/>
-                <a:ea typeface="+mn-ea"/>
-                <a:cs typeface="+mn-cs"/>
-              </a:defRPr>
-            </a:lvl9pPr>
-          </a:lstStyle>
-          <a:p>
-            <a:pPr algn="l"/>
-            <a:r>
-              <a:rPr lang="en-US" dirty="0">
-                <a:solidFill>
-                  <a:schemeClr val="bg1"/>
-                </a:solidFill>
-              </a:rPr>
-              <a:t>BUAN6340</a:t>
+              <a:t>Professor: Jason Parker</a:t>
             </a:r>
           </a:p>
         </p:txBody>
@@ -9795,7 +9583,7 @@
         <p:spPr>
           <a:xfrm>
             <a:off x="833002" y="1308142"/>
-            <a:ext cx="10825599" cy="5122941"/>
+            <a:ext cx="10825599" cy="5584606"/>
           </a:xfrm>
           <a:prstGeom prst="rect">
             <a:avLst/>
@@ -9841,7 +9629,7 @@
             </a:r>
             <a:r>
               <a:rPr lang="en-US" sz="2000" dirty="0"/>
-              <a:t>I think this topic is really suitable for python beginners and those who want to learn how to do analysis on time-series data. In addition, imputing missing data would take considerable time and efforts because It is not reasonable to just insert mean, median or zero into those N/A cells.</a:t>
+              <a:t>I think this topic is really suitable for python beginners and those who want to learn how to do analysis on time-series data, web scrapping, web design, multiprocessing and machine learning. In addition, imputing missing data would take considerable time and efforts because It is not reasonable to just insert mean, median or zero into those N/A cells.</a:t>
             </a:r>
           </a:p>
           <a:p>
